--- a/Reports/졸과 포스터 0.0.2.pptx
+++ b/Reports/졸과 포스터 0.0.2.pptx
@@ -6,26 +6,36 @@
   </p:sldMasterIdLst>
   <p:sldIdLst>
     <p:sldId id="261" r:id="rId2"/>
+    <p:sldId id="258" r:id="rId3"/>
   </p:sldIdLst>
   <p:sldSz cx="21383625" cy="30275213"/>
   <p:notesSz cx="6858000" cy="9144000"/>
   <p:embeddedFontLst>
     <p:embeddedFont>
+      <p:font typeface="나눔스퀘어 Bold" panose="020B0600000101010101" pitchFamily="50" charset="-127"/>
+      <p:bold r:id="rId4"/>
+    </p:embeddedFont>
+    <p:embeddedFont>
       <p:font typeface="Calibri" panose="020F0502020204030204" pitchFamily="34" charset="0"/>
-      <p:regular r:id="rId3"/>
-      <p:bold r:id="rId4"/>
-      <p:italic r:id="rId5"/>
-      <p:boldItalic r:id="rId6"/>
+      <p:regular r:id="rId5"/>
+      <p:bold r:id="rId6"/>
+      <p:italic r:id="rId7"/>
+      <p:boldItalic r:id="rId8"/>
     </p:embeddedFont>
     <p:embeddedFont>
       <p:font typeface="Calibri Light" panose="020F0302020204030204" pitchFamily="34" charset="0"/>
-      <p:regular r:id="rId7"/>
-      <p:italic r:id="rId8"/>
+      <p:regular r:id="rId9"/>
+      <p:italic r:id="rId10"/>
+    </p:embeddedFont>
+    <p:embeddedFont>
+      <p:font typeface="Franklin Gothic Demi" panose="020B0703020102020204" pitchFamily="34" charset="0"/>
+      <p:regular r:id="rId11"/>
+      <p:italic r:id="rId12"/>
     </p:embeddedFont>
     <p:embeddedFont>
       <p:font typeface="맑은 고딕" panose="020B0503020000020004" pitchFamily="50" charset="-127"/>
-      <p:regular r:id="rId9"/>
-      <p:bold r:id="rId10"/>
+      <p:regular r:id="rId13"/>
+      <p:bold r:id="rId14"/>
     </p:embeddedFont>
   </p:embeddedFontLst>
   <p:defaultTextStyle>
@@ -273,7 +283,7 @@
           <a:p>
             <a:fld id="{26368C2B-BE6A-4123-B1EB-3B148078ED94}" type="datetimeFigureOut">
               <a:rPr lang="ko-KR" altLang="en-US" smtClean="0"/>
-              <a:t>2020-08-26</a:t>
+              <a:t>2020-09-01</a:t>
             </a:fld>
             <a:endParaRPr lang="ko-KR" altLang="en-US"/>
           </a:p>
@@ -443,7 +453,7 @@
           <a:p>
             <a:fld id="{26368C2B-BE6A-4123-B1EB-3B148078ED94}" type="datetimeFigureOut">
               <a:rPr lang="ko-KR" altLang="en-US" smtClean="0"/>
-              <a:t>2020-08-26</a:t>
+              <a:t>2020-09-01</a:t>
             </a:fld>
             <a:endParaRPr lang="ko-KR" altLang="en-US"/>
           </a:p>
@@ -623,7 +633,7 @@
           <a:p>
             <a:fld id="{26368C2B-BE6A-4123-B1EB-3B148078ED94}" type="datetimeFigureOut">
               <a:rPr lang="ko-KR" altLang="en-US" smtClean="0"/>
-              <a:t>2020-08-26</a:t>
+              <a:t>2020-09-01</a:t>
             </a:fld>
             <a:endParaRPr lang="ko-KR" altLang="en-US"/>
           </a:p>
@@ -793,7 +803,7 @@
           <a:p>
             <a:fld id="{26368C2B-BE6A-4123-B1EB-3B148078ED94}" type="datetimeFigureOut">
               <a:rPr lang="ko-KR" altLang="en-US" smtClean="0"/>
-              <a:t>2020-08-26</a:t>
+              <a:t>2020-09-01</a:t>
             </a:fld>
             <a:endParaRPr lang="ko-KR" altLang="en-US"/>
           </a:p>
@@ -1037,7 +1047,7 @@
           <a:p>
             <a:fld id="{26368C2B-BE6A-4123-B1EB-3B148078ED94}" type="datetimeFigureOut">
               <a:rPr lang="ko-KR" altLang="en-US" smtClean="0"/>
-              <a:t>2020-08-26</a:t>
+              <a:t>2020-09-01</a:t>
             </a:fld>
             <a:endParaRPr lang="ko-KR" altLang="en-US"/>
           </a:p>
@@ -1269,7 +1279,7 @@
           <a:p>
             <a:fld id="{26368C2B-BE6A-4123-B1EB-3B148078ED94}" type="datetimeFigureOut">
               <a:rPr lang="ko-KR" altLang="en-US" smtClean="0"/>
-              <a:t>2020-08-26</a:t>
+              <a:t>2020-09-01</a:t>
             </a:fld>
             <a:endParaRPr lang="ko-KR" altLang="en-US"/>
           </a:p>
@@ -1636,7 +1646,7 @@
           <a:p>
             <a:fld id="{26368C2B-BE6A-4123-B1EB-3B148078ED94}" type="datetimeFigureOut">
               <a:rPr lang="ko-KR" altLang="en-US" smtClean="0"/>
-              <a:t>2020-08-26</a:t>
+              <a:t>2020-09-01</a:t>
             </a:fld>
             <a:endParaRPr lang="ko-KR" altLang="en-US"/>
           </a:p>
@@ -1754,7 +1764,7 @@
           <a:p>
             <a:fld id="{26368C2B-BE6A-4123-B1EB-3B148078ED94}" type="datetimeFigureOut">
               <a:rPr lang="ko-KR" altLang="en-US" smtClean="0"/>
-              <a:t>2020-08-26</a:t>
+              <a:t>2020-09-01</a:t>
             </a:fld>
             <a:endParaRPr lang="ko-KR" altLang="en-US"/>
           </a:p>
@@ -1849,7 +1859,7 @@
           <a:p>
             <a:fld id="{26368C2B-BE6A-4123-B1EB-3B148078ED94}" type="datetimeFigureOut">
               <a:rPr lang="ko-KR" altLang="en-US" smtClean="0"/>
-              <a:t>2020-08-26</a:t>
+              <a:t>2020-09-01</a:t>
             </a:fld>
             <a:endParaRPr lang="ko-KR" altLang="en-US"/>
           </a:p>
@@ -2126,7 +2136,7 @@
           <a:p>
             <a:fld id="{26368C2B-BE6A-4123-B1EB-3B148078ED94}" type="datetimeFigureOut">
               <a:rPr lang="ko-KR" altLang="en-US" smtClean="0"/>
-              <a:t>2020-08-26</a:t>
+              <a:t>2020-09-01</a:t>
             </a:fld>
             <a:endParaRPr lang="ko-KR" altLang="en-US"/>
           </a:p>
@@ -2383,7 +2393,7 @@
           <a:p>
             <a:fld id="{26368C2B-BE6A-4123-B1EB-3B148078ED94}" type="datetimeFigureOut">
               <a:rPr lang="ko-KR" altLang="en-US" smtClean="0"/>
-              <a:t>2020-08-26</a:t>
+              <a:t>2020-09-01</a:t>
             </a:fld>
             <a:endParaRPr lang="ko-KR" altLang="en-US"/>
           </a:p>
@@ -2596,7 +2606,7 @@
           <a:p>
             <a:fld id="{26368C2B-BE6A-4123-B1EB-3B148078ED94}" type="datetimeFigureOut">
               <a:rPr lang="ko-KR" altLang="en-US" smtClean="0"/>
-              <a:t>2020-08-26</a:t>
+              <a:t>2020-09-01</a:t>
             </a:fld>
             <a:endParaRPr lang="ko-KR" altLang="en-US"/>
           </a:p>
@@ -4810,6 +4820,2201 @@
 </p:sld>
 </file>
 
+<file path=ppt/slides/slide2.xml><?xml version="1.0" encoding="utf-8"?>
+<p:sld xmlns:a="http://schemas.openxmlformats.org/drawingml/2006/main" xmlns:r="http://schemas.openxmlformats.org/officeDocument/2006/relationships" xmlns:p="http://schemas.openxmlformats.org/presentationml/2006/main">
+  <p:cSld>
+    <p:spTree>
+      <p:nvGrpSpPr>
+        <p:cNvPr id="1" name=""/>
+        <p:cNvGrpSpPr/>
+        <p:nvPr/>
+      </p:nvGrpSpPr>
+      <p:grpSpPr>
+        <a:xfrm>
+          <a:off x="0" y="0"/>
+          <a:ext cx="0" cy="0"/>
+          <a:chOff x="0" y="0"/>
+          <a:chExt cx="0" cy="0"/>
+        </a:xfrm>
+      </p:grpSpPr>
+      <p:grpSp>
+        <p:nvGrpSpPr>
+          <p:cNvPr id="25" name="그룹 24"/>
+          <p:cNvGrpSpPr/>
+          <p:nvPr/>
+        </p:nvGrpSpPr>
+        <p:grpSpPr>
+          <a:xfrm>
+            <a:off x="0" y="0"/>
+            <a:ext cx="21364163" cy="6168822"/>
+            <a:chOff x="0" y="0"/>
+            <a:chExt cx="21364163" cy="6168822"/>
+          </a:xfrm>
+        </p:grpSpPr>
+        <p:sp>
+          <p:nvSpPr>
+            <p:cNvPr id="68" name="TextBox 133"/>
+            <p:cNvSpPr txBox="1"/>
+            <p:nvPr/>
+          </p:nvSpPr>
+          <p:spPr>
+            <a:xfrm>
+              <a:off x="1029181" y="2101601"/>
+              <a:ext cx="19218248" cy="1200329"/>
+            </a:xfrm>
+            <a:prstGeom prst="rect">
+              <a:avLst/>
+            </a:prstGeom>
+            <a:noFill/>
+          </p:spPr>
+          <p:txBody>
+            <a:bodyPr wrap="square" rtlCol="0">
+              <a:spAutoFit/>
+            </a:bodyPr>
+            <a:lstStyle>
+              <a:defPPr>
+                <a:defRPr lang="en-US"/>
+              </a:defPPr>
+              <a:lvl1pPr marL="0" algn="l" defTabSz="457200" rtl="0" eaLnBrk="1" latinLnBrk="0" hangingPunct="1">
+                <a:defRPr sz="1800" kern="1200">
+                  <a:solidFill>
+                    <a:schemeClr val="tx1"/>
+                  </a:solidFill>
+                  <a:latin typeface="+mn-lt"/>
+                  <a:ea typeface="+mn-ea"/>
+                  <a:cs typeface="+mn-cs"/>
+                </a:defRPr>
+              </a:lvl1pPr>
+              <a:lvl2pPr marL="457200" algn="l" defTabSz="457200" rtl="0" eaLnBrk="1" latinLnBrk="0" hangingPunct="1">
+                <a:defRPr sz="1800" kern="1200">
+                  <a:solidFill>
+                    <a:schemeClr val="tx1"/>
+                  </a:solidFill>
+                  <a:latin typeface="+mn-lt"/>
+                  <a:ea typeface="+mn-ea"/>
+                  <a:cs typeface="+mn-cs"/>
+                </a:defRPr>
+              </a:lvl2pPr>
+              <a:lvl3pPr marL="914400" algn="l" defTabSz="457200" rtl="0" eaLnBrk="1" latinLnBrk="0" hangingPunct="1">
+                <a:defRPr sz="1800" kern="1200">
+                  <a:solidFill>
+                    <a:schemeClr val="tx1"/>
+                  </a:solidFill>
+                  <a:latin typeface="+mn-lt"/>
+                  <a:ea typeface="+mn-ea"/>
+                  <a:cs typeface="+mn-cs"/>
+                </a:defRPr>
+              </a:lvl3pPr>
+              <a:lvl4pPr marL="1371600" algn="l" defTabSz="457200" rtl="0" eaLnBrk="1" latinLnBrk="0" hangingPunct="1">
+                <a:defRPr sz="1800" kern="1200">
+                  <a:solidFill>
+                    <a:schemeClr val="tx1"/>
+                  </a:solidFill>
+                  <a:latin typeface="+mn-lt"/>
+                  <a:ea typeface="+mn-ea"/>
+                  <a:cs typeface="+mn-cs"/>
+                </a:defRPr>
+              </a:lvl4pPr>
+              <a:lvl5pPr marL="1828800" algn="l" defTabSz="457200" rtl="0" eaLnBrk="1" latinLnBrk="0" hangingPunct="1">
+                <a:defRPr sz="1800" kern="1200">
+                  <a:solidFill>
+                    <a:schemeClr val="tx1"/>
+                  </a:solidFill>
+                  <a:latin typeface="+mn-lt"/>
+                  <a:ea typeface="+mn-ea"/>
+                  <a:cs typeface="+mn-cs"/>
+                </a:defRPr>
+              </a:lvl5pPr>
+              <a:lvl6pPr marL="2286000" algn="l" defTabSz="457200" rtl="0" eaLnBrk="1" latinLnBrk="0" hangingPunct="1">
+                <a:defRPr sz="1800" kern="1200">
+                  <a:solidFill>
+                    <a:schemeClr val="tx1"/>
+                  </a:solidFill>
+                  <a:latin typeface="+mn-lt"/>
+                  <a:ea typeface="+mn-ea"/>
+                  <a:cs typeface="+mn-cs"/>
+                </a:defRPr>
+              </a:lvl6pPr>
+              <a:lvl7pPr marL="2743200" algn="l" defTabSz="457200" rtl="0" eaLnBrk="1" latinLnBrk="0" hangingPunct="1">
+                <a:defRPr sz="1800" kern="1200">
+                  <a:solidFill>
+                    <a:schemeClr val="tx1"/>
+                  </a:solidFill>
+                  <a:latin typeface="+mn-lt"/>
+                  <a:ea typeface="+mn-ea"/>
+                  <a:cs typeface="+mn-cs"/>
+                </a:defRPr>
+              </a:lvl7pPr>
+              <a:lvl8pPr marL="3200400" algn="l" defTabSz="457200" rtl="0" eaLnBrk="1" latinLnBrk="0" hangingPunct="1">
+                <a:defRPr sz="1800" kern="1200">
+                  <a:solidFill>
+                    <a:schemeClr val="tx1"/>
+                  </a:solidFill>
+                  <a:latin typeface="+mn-lt"/>
+                  <a:ea typeface="+mn-ea"/>
+                  <a:cs typeface="+mn-cs"/>
+                </a:defRPr>
+              </a:lvl8pPr>
+              <a:lvl9pPr marL="3657600" algn="l" defTabSz="457200" rtl="0" eaLnBrk="1" latinLnBrk="0" hangingPunct="1">
+                <a:defRPr sz="1800" kern="1200">
+                  <a:solidFill>
+                    <a:schemeClr val="tx1"/>
+                  </a:solidFill>
+                  <a:latin typeface="+mn-lt"/>
+                  <a:ea typeface="+mn-ea"/>
+                  <a:cs typeface="+mn-cs"/>
+                </a:defRPr>
+              </a:lvl9pPr>
+            </a:lstStyle>
+            <a:p>
+              <a:pPr algn="ctr"/>
+              <a:r>
+                <a:rPr lang="ko-KR" altLang="en-US" sz="7200" b="1" dirty="0" err="1">
+                  <a:solidFill>
+                    <a:schemeClr val="bg1"/>
+                  </a:solidFill>
+                  <a:latin typeface="+mj-ea"/>
+                  <a:ea typeface="+mj-ea"/>
+                </a:rPr>
+                <a:t>드론</a:t>
+              </a:r>
+              <a:r>
+                <a:rPr lang="ko-KR" altLang="en-US" sz="7200" b="1" dirty="0">
+                  <a:solidFill>
+                    <a:schemeClr val="bg1"/>
+                  </a:solidFill>
+                  <a:latin typeface="+mj-ea"/>
+                  <a:ea typeface="+mj-ea"/>
+                </a:rPr>
+                <a:t> 제어를 통한 스마트 </a:t>
+              </a:r>
+              <a:r>
+                <a:rPr lang="ko-KR" altLang="en-US" sz="7200" b="1" dirty="0" err="1">
+                  <a:solidFill>
+                    <a:schemeClr val="bg1"/>
+                  </a:solidFill>
+                  <a:latin typeface="+mj-ea"/>
+                  <a:ea typeface="+mj-ea"/>
+                </a:rPr>
+                <a:t>셀피</a:t>
+              </a:r>
+              <a:r>
+                <a:rPr lang="ko-KR" altLang="en-US" sz="7200" b="1" dirty="0">
+                  <a:solidFill>
+                    <a:schemeClr val="bg1"/>
+                  </a:solidFill>
+                  <a:latin typeface="+mj-ea"/>
+                  <a:ea typeface="+mj-ea"/>
+                </a:rPr>
+                <a:t> 서비스</a:t>
+              </a:r>
+              <a:endParaRPr lang="en-US" altLang="ko-KR" sz="7200" b="1" dirty="0">
+                <a:solidFill>
+                  <a:schemeClr val="bg1"/>
+                </a:solidFill>
+                <a:latin typeface="+mj-ea"/>
+                <a:ea typeface="+mj-ea"/>
+              </a:endParaRPr>
+            </a:p>
+          </p:txBody>
+        </p:sp>
+        <p:sp>
+          <p:nvSpPr>
+            <p:cNvPr id="18" name="직사각형 17"/>
+            <p:cNvSpPr/>
+            <p:nvPr/>
+          </p:nvSpPr>
+          <p:spPr>
+            <a:xfrm>
+              <a:off x="6549768" y="4136539"/>
+              <a:ext cx="723275" cy="415498"/>
+            </a:xfrm>
+            <a:prstGeom prst="rect">
+              <a:avLst/>
+            </a:prstGeom>
+          </p:spPr>
+          <p:txBody>
+            <a:bodyPr wrap="none">
+              <a:spAutoFit/>
+            </a:bodyPr>
+            <a:lstStyle/>
+            <a:p>
+              <a:r>
+                <a:rPr lang="ko-KR" altLang="en-US" sz="2100" dirty="0" err="1">
+                  <a:latin typeface="+mj-ea"/>
+                  <a:ea typeface="+mj-ea"/>
+                </a:rPr>
+                <a:t>팀명</a:t>
+              </a:r>
+              <a:endParaRPr lang="en-US" altLang="ko-KR" sz="2100" dirty="0">
+                <a:latin typeface="+mj-ea"/>
+                <a:ea typeface="+mj-ea"/>
+              </a:endParaRPr>
+            </a:p>
+          </p:txBody>
+        </p:sp>
+        <p:sp>
+          <p:nvSpPr>
+            <p:cNvPr id="71" name="직사각형 70"/>
+            <p:cNvSpPr/>
+            <p:nvPr/>
+          </p:nvSpPr>
+          <p:spPr>
+            <a:xfrm>
+              <a:off x="10007363" y="4136539"/>
+              <a:ext cx="1261884" cy="415498"/>
+            </a:xfrm>
+            <a:prstGeom prst="rect">
+              <a:avLst/>
+            </a:prstGeom>
+          </p:spPr>
+          <p:txBody>
+            <a:bodyPr wrap="none">
+              <a:spAutoFit/>
+            </a:bodyPr>
+            <a:lstStyle/>
+            <a:p>
+              <a:r>
+                <a:rPr lang="ko-KR" altLang="en-US" sz="2100" dirty="0">
+                  <a:latin typeface="+mj-ea"/>
+                  <a:ea typeface="+mj-ea"/>
+                </a:rPr>
+                <a:t>참여학생</a:t>
+              </a:r>
+              <a:endParaRPr lang="en-US" altLang="ko-KR" sz="2100" dirty="0">
+                <a:latin typeface="+mj-ea"/>
+                <a:ea typeface="+mj-ea"/>
+              </a:endParaRPr>
+            </a:p>
+          </p:txBody>
+        </p:sp>
+        <p:sp>
+          <p:nvSpPr>
+            <p:cNvPr id="72" name="직사각형 71"/>
+            <p:cNvSpPr/>
+            <p:nvPr/>
+          </p:nvSpPr>
+          <p:spPr>
+            <a:xfrm>
+              <a:off x="16783660" y="4136539"/>
+              <a:ext cx="1261884" cy="415498"/>
+            </a:xfrm>
+            <a:prstGeom prst="rect">
+              <a:avLst/>
+            </a:prstGeom>
+          </p:spPr>
+          <p:txBody>
+            <a:bodyPr wrap="none">
+              <a:spAutoFit/>
+            </a:bodyPr>
+            <a:lstStyle/>
+            <a:p>
+              <a:r>
+                <a:rPr lang="ko-KR" altLang="en-US" sz="2100" dirty="0">
+                  <a:latin typeface="+mj-ea"/>
+                  <a:ea typeface="+mj-ea"/>
+                </a:rPr>
+                <a:t>지도교수</a:t>
+              </a:r>
+              <a:endParaRPr lang="en-US" altLang="ko-KR" sz="2100" dirty="0">
+                <a:latin typeface="+mj-ea"/>
+                <a:ea typeface="+mj-ea"/>
+              </a:endParaRPr>
+            </a:p>
+          </p:txBody>
+        </p:sp>
+        <p:grpSp>
+          <p:nvGrpSpPr>
+            <p:cNvPr id="5" name="그룹 4"/>
+            <p:cNvGrpSpPr/>
+            <p:nvPr/>
+          </p:nvGrpSpPr>
+          <p:grpSpPr>
+            <a:xfrm>
+              <a:off x="717212" y="5079862"/>
+              <a:ext cx="19949201" cy="758954"/>
+              <a:chOff x="717212" y="5079862"/>
+              <a:chExt cx="19949201" cy="758954"/>
+            </a:xfrm>
+          </p:grpSpPr>
+          <p:pic>
+            <p:nvPicPr>
+              <p:cNvPr id="10" name="그림 9"/>
+              <p:cNvPicPr>
+                <a:picLocks noChangeAspect="1"/>
+              </p:cNvPicPr>
+              <p:nvPr/>
+            </p:nvPicPr>
+            <p:blipFill>
+              <a:blip r:embed="rId2" cstate="print">
+                <a:extLst>
+                  <a:ext uri="{28A0092B-C50C-407E-A947-70E740481C1C}">
+                    <a14:useLocalDpi xmlns:a14="http://schemas.microsoft.com/office/drawing/2010/main" val="0"/>
+                  </a:ext>
+                </a:extLst>
+              </a:blip>
+              <a:stretch>
+                <a:fillRect/>
+              </a:stretch>
+            </p:blipFill>
+            <p:spPr>
+              <a:xfrm>
+                <a:off x="717212" y="5079862"/>
+                <a:ext cx="19949201" cy="758954"/>
+              </a:xfrm>
+              <a:prstGeom prst="rect">
+                <a:avLst/>
+              </a:prstGeom>
+              <a:solidFill>
+                <a:srgbClr val="FFFFFF"/>
+              </a:solidFill>
+            </p:spPr>
+          </p:pic>
+          <p:sp>
+            <p:nvSpPr>
+              <p:cNvPr id="4" name="TextBox 3"/>
+              <p:cNvSpPr txBox="1"/>
+              <p:nvPr/>
+            </p:nvSpPr>
+            <p:spPr>
+              <a:xfrm>
+                <a:off x="8582437" y="5197729"/>
+                <a:ext cx="4218750" cy="584775"/>
+              </a:xfrm>
+              <a:prstGeom prst="rect">
+                <a:avLst/>
+              </a:prstGeom>
+              <a:solidFill>
+                <a:srgbClr val="F08213"/>
+              </a:solidFill>
+            </p:spPr>
+            <p:txBody>
+              <a:bodyPr wrap="square" rtlCol="0">
+                <a:spAutoFit/>
+              </a:bodyPr>
+              <a:lstStyle/>
+              <a:p>
+                <a:pPr algn="ctr"/>
+                <a:r>
+                  <a:rPr lang="ko-KR" altLang="en-US" sz="3200" b="1" dirty="0">
+                    <a:solidFill>
+                      <a:schemeClr val="bg1"/>
+                    </a:solidFill>
+                  </a:rPr>
+                  <a:t>제목 </a:t>
+                </a:r>
+                <a:r>
+                  <a:rPr lang="en-US" altLang="ko-KR" sz="3200" b="1" dirty="0">
+                    <a:solidFill>
+                      <a:schemeClr val="bg1"/>
+                    </a:solidFill>
+                  </a:rPr>
+                  <a:t>1</a:t>
+                </a:r>
+                <a:endParaRPr lang="ko-KR" altLang="en-US" sz="3200" b="1" dirty="0">
+                  <a:solidFill>
+                    <a:schemeClr val="bg1"/>
+                  </a:solidFill>
+                </a:endParaRPr>
+              </a:p>
+            </p:txBody>
+          </p:sp>
+        </p:grpSp>
+        <p:pic>
+          <p:nvPicPr>
+            <p:cNvPr id="2" name="그림 1"/>
+            <p:cNvPicPr>
+              <a:picLocks noChangeAspect="1"/>
+            </p:cNvPicPr>
+            <p:nvPr/>
+          </p:nvPicPr>
+          <p:blipFill>
+            <a:blip r:embed="rId3">
+              <a:extLst>
+                <a:ext uri="{28A0092B-C50C-407E-A947-70E740481C1C}">
+                  <a14:useLocalDpi xmlns:a14="http://schemas.microsoft.com/office/drawing/2010/main" val="0"/>
+                </a:ext>
+              </a:extLst>
+            </a:blip>
+            <a:stretch>
+              <a:fillRect/>
+            </a:stretch>
+          </p:blipFill>
+          <p:spPr>
+            <a:xfrm>
+              <a:off x="0" y="0"/>
+              <a:ext cx="21364163" cy="6168822"/>
+            </a:xfrm>
+            <a:prstGeom prst="rect">
+              <a:avLst/>
+            </a:prstGeom>
+          </p:spPr>
+        </p:pic>
+        <p:sp>
+          <p:nvSpPr>
+            <p:cNvPr id="3" name="TextBox 2"/>
+            <p:cNvSpPr txBox="1"/>
+            <p:nvPr/>
+          </p:nvSpPr>
+          <p:spPr>
+            <a:xfrm>
+              <a:off x="7099300" y="4216400"/>
+              <a:ext cx="2659702" cy="461665"/>
+            </a:xfrm>
+            <a:prstGeom prst="rect">
+              <a:avLst/>
+            </a:prstGeom>
+            <a:noFill/>
+          </p:spPr>
+          <p:txBody>
+            <a:bodyPr wrap="none" rtlCol="0">
+              <a:spAutoFit/>
+            </a:bodyPr>
+            <a:lstStyle/>
+            <a:p>
+              <a:r>
+                <a:rPr lang="ko-KR" altLang="en-US" sz="2400" b="1" dirty="0">
+                  <a:latin typeface="나눔스퀘어 Bold" panose="020B0600000101010101" pitchFamily="50" charset="-127"/>
+                  <a:ea typeface="나눔스퀘어 Bold" panose="020B0600000101010101" pitchFamily="50" charset="-127"/>
+                </a:rPr>
+                <a:t>여기에 팀 이름 입력</a:t>
+              </a:r>
+              <a:endParaRPr lang="ko-KR" altLang="en-US" sz="2400" b="1" spc="-150" dirty="0">
+                <a:latin typeface="나눔스퀘어 Bold" panose="020B0600000101010101" pitchFamily="50" charset="-127"/>
+                <a:ea typeface="나눔스퀘어 Bold" panose="020B0600000101010101" pitchFamily="50" charset="-127"/>
+              </a:endParaRPr>
+            </a:p>
+          </p:txBody>
+        </p:sp>
+        <p:sp>
+          <p:nvSpPr>
+            <p:cNvPr id="20" name="TextBox 19"/>
+            <p:cNvSpPr txBox="1"/>
+            <p:nvPr/>
+          </p:nvSpPr>
+          <p:spPr>
+            <a:xfrm>
+              <a:off x="18275300" y="4216400"/>
+              <a:ext cx="1026243" cy="461665"/>
+            </a:xfrm>
+            <a:prstGeom prst="rect">
+              <a:avLst/>
+            </a:prstGeom>
+            <a:noFill/>
+          </p:spPr>
+          <p:txBody>
+            <a:bodyPr wrap="none" rtlCol="0">
+              <a:spAutoFit/>
+            </a:bodyPr>
+            <a:lstStyle/>
+            <a:p>
+              <a:r>
+                <a:rPr lang="ko-KR" altLang="en-US" sz="2400" b="1" dirty="0" err="1">
+                  <a:latin typeface="나눔스퀘어 Bold" panose="020B0600000101010101" pitchFamily="50" charset="-127"/>
+                  <a:ea typeface="나눔스퀘어 Bold" panose="020B0600000101010101" pitchFamily="50" charset="-127"/>
+                </a:rPr>
+                <a:t>백윤주</a:t>
+              </a:r>
+              <a:endParaRPr lang="ko-KR" altLang="en-US" sz="2400" b="1" dirty="0">
+                <a:latin typeface="나눔스퀘어 Bold" panose="020B0600000101010101" pitchFamily="50" charset="-127"/>
+                <a:ea typeface="나눔스퀘어 Bold" panose="020B0600000101010101" pitchFamily="50" charset="-127"/>
+              </a:endParaRPr>
+            </a:p>
+          </p:txBody>
+        </p:sp>
+        <p:sp>
+          <p:nvSpPr>
+            <p:cNvPr id="21" name="TextBox 20"/>
+            <p:cNvSpPr txBox="1"/>
+            <p:nvPr/>
+          </p:nvSpPr>
+          <p:spPr>
+            <a:xfrm>
+              <a:off x="10890250" y="4197350"/>
+              <a:ext cx="3042821" cy="461665"/>
+            </a:xfrm>
+            <a:prstGeom prst="rect">
+              <a:avLst/>
+            </a:prstGeom>
+            <a:noFill/>
+          </p:spPr>
+          <p:txBody>
+            <a:bodyPr wrap="none" rtlCol="0">
+              <a:spAutoFit/>
+            </a:bodyPr>
+            <a:lstStyle/>
+            <a:p>
+              <a:r>
+                <a:rPr lang="ko-KR" altLang="en-US" sz="2400" b="1" dirty="0" err="1">
+                  <a:latin typeface="나눔스퀘어 Bold" panose="020B0600000101010101" pitchFamily="50" charset="-127"/>
+                  <a:ea typeface="나눔스퀘어 Bold" panose="020B0600000101010101" pitchFamily="50" charset="-127"/>
+                </a:rPr>
+                <a:t>정희석</a:t>
+              </a:r>
+              <a:r>
+                <a:rPr lang="en-US" altLang="ko-KR" sz="2400" b="1" dirty="0">
+                  <a:latin typeface="나눔스퀘어 Bold" panose="020B0600000101010101" pitchFamily="50" charset="-127"/>
+                  <a:ea typeface="나눔스퀘어 Bold" panose="020B0600000101010101" pitchFamily="50" charset="-127"/>
+                </a:rPr>
+                <a:t>, </a:t>
+              </a:r>
+              <a:r>
+                <a:rPr lang="ko-KR" altLang="en-US" sz="2400" b="1" dirty="0">
+                  <a:latin typeface="나눔스퀘어 Bold" panose="020B0600000101010101" pitchFamily="50" charset="-127"/>
+                  <a:ea typeface="나눔스퀘어 Bold" panose="020B0600000101010101" pitchFamily="50" charset="-127"/>
+                </a:rPr>
+                <a:t>이석준</a:t>
+              </a:r>
+              <a:r>
+                <a:rPr lang="en-US" altLang="ko-KR" sz="2400" b="1" dirty="0">
+                  <a:latin typeface="나눔스퀘어 Bold" panose="020B0600000101010101" pitchFamily="50" charset="-127"/>
+                  <a:ea typeface="나눔스퀘어 Bold" panose="020B0600000101010101" pitchFamily="50" charset="-127"/>
+                </a:rPr>
+                <a:t>, </a:t>
+              </a:r>
+              <a:r>
+                <a:rPr lang="ko-KR" altLang="en-US" sz="2400" b="1" dirty="0" err="1">
+                  <a:latin typeface="나눔스퀘어 Bold" panose="020B0600000101010101" pitchFamily="50" charset="-127"/>
+                  <a:ea typeface="나눔스퀘어 Bold" panose="020B0600000101010101" pitchFamily="50" charset="-127"/>
+                </a:rPr>
+                <a:t>방형진</a:t>
+              </a:r>
+              <a:endParaRPr lang="ko-KR" altLang="en-US" sz="2400" b="1" dirty="0">
+                <a:latin typeface="나눔스퀘어 Bold" panose="020B0600000101010101" pitchFamily="50" charset="-127"/>
+                <a:ea typeface="나눔스퀘어 Bold" panose="020B0600000101010101" pitchFamily="50" charset="-127"/>
+              </a:endParaRPr>
+            </a:p>
+          </p:txBody>
+        </p:sp>
+        <p:sp>
+          <p:nvSpPr>
+            <p:cNvPr id="8" name="TextBox 7"/>
+            <p:cNvSpPr txBox="1"/>
+            <p:nvPr/>
+          </p:nvSpPr>
+          <p:spPr>
+            <a:xfrm>
+              <a:off x="4959351" y="1471570"/>
+              <a:ext cx="14452600" cy="1938992"/>
+            </a:xfrm>
+            <a:prstGeom prst="rect">
+              <a:avLst/>
+            </a:prstGeom>
+            <a:noFill/>
+          </p:spPr>
+          <p:txBody>
+            <a:bodyPr wrap="square" rtlCol="0">
+              <a:spAutoFit/>
+            </a:bodyPr>
+            <a:lstStyle/>
+            <a:p>
+              <a:pPr algn="ctr"/>
+              <a:r>
+                <a:rPr lang="en-US" altLang="ko-KR" sz="6000" b="1" dirty="0">
+                  <a:solidFill>
+                    <a:schemeClr val="bg1"/>
+                  </a:solidFill>
+                  <a:latin typeface="+mj-ea"/>
+                  <a:ea typeface="+mj-ea"/>
+                </a:rPr>
+                <a:t>SIM2REAL</a:t>
+              </a:r>
+              <a:r>
+                <a:rPr lang="ko-KR" altLang="en-US" sz="6000" b="1" dirty="0">
+                  <a:solidFill>
+                    <a:schemeClr val="bg1"/>
+                  </a:solidFill>
+                  <a:latin typeface="+mj-ea"/>
+                  <a:ea typeface="+mj-ea"/>
+                </a:rPr>
+                <a:t>을 활용한 차량 상태 분석 시스템</a:t>
+              </a:r>
+              <a:endParaRPr lang="en-US" altLang="ko-KR" sz="6000" b="1" dirty="0">
+                <a:solidFill>
+                  <a:schemeClr val="bg1"/>
+                </a:solidFill>
+                <a:latin typeface="+mj-ea"/>
+                <a:ea typeface="+mj-ea"/>
+              </a:endParaRPr>
+            </a:p>
+          </p:txBody>
+        </p:sp>
+        <p:sp>
+          <p:nvSpPr>
+            <p:cNvPr id="11" name="TextBox 10"/>
+            <p:cNvSpPr txBox="1"/>
+            <p:nvPr/>
+          </p:nvSpPr>
+          <p:spPr>
+            <a:xfrm>
+              <a:off x="1786715" y="1022377"/>
+              <a:ext cx="2682145" cy="2646878"/>
+            </a:xfrm>
+            <a:prstGeom prst="rect">
+              <a:avLst/>
+            </a:prstGeom>
+            <a:noFill/>
+          </p:spPr>
+          <p:txBody>
+            <a:bodyPr wrap="none" rtlCol="0">
+              <a:spAutoFit/>
+            </a:bodyPr>
+            <a:lstStyle/>
+            <a:p>
+              <a:r>
+                <a:rPr lang="en-US" altLang="ko-KR" sz="16600" dirty="0">
+                  <a:solidFill>
+                    <a:schemeClr val="bg1"/>
+                  </a:solidFill>
+                  <a:effectLst>
+                    <a:outerShdw blurRad="38100" dist="38100" dir="2700000" algn="tl">
+                      <a:srgbClr val="000000">
+                        <a:alpha val="43137"/>
+                      </a:srgbClr>
+                    </a:outerShdw>
+                  </a:effectLst>
+                  <a:latin typeface="Franklin Gothic Demi" panose="020B0703020102020204" pitchFamily="34" charset="0"/>
+                  <a:ea typeface="+mj-ea"/>
+                </a:rPr>
+                <a:t>38</a:t>
+              </a:r>
+              <a:endParaRPr lang="ko-KR" altLang="en-US" sz="16600" dirty="0">
+                <a:solidFill>
+                  <a:schemeClr val="bg1"/>
+                </a:solidFill>
+                <a:effectLst>
+                  <a:outerShdw blurRad="38100" dist="38100" dir="2700000" algn="tl">
+                    <a:srgbClr val="000000">
+                      <a:alpha val="43137"/>
+                    </a:srgbClr>
+                  </a:outerShdw>
+                </a:effectLst>
+                <a:latin typeface="Franklin Gothic Demi" panose="020B0703020102020204" pitchFamily="34" charset="0"/>
+                <a:ea typeface="+mj-ea"/>
+              </a:endParaRPr>
+            </a:p>
+          </p:txBody>
+        </p:sp>
+        <p:sp>
+          <p:nvSpPr>
+            <p:cNvPr id="24" name="TextBox 23"/>
+            <p:cNvSpPr txBox="1"/>
+            <p:nvPr/>
+          </p:nvSpPr>
+          <p:spPr>
+            <a:xfrm>
+              <a:off x="9806350" y="5400263"/>
+              <a:ext cx="1919115" cy="584775"/>
+            </a:xfrm>
+            <a:prstGeom prst="rect">
+              <a:avLst/>
+            </a:prstGeom>
+            <a:noFill/>
+          </p:spPr>
+          <p:txBody>
+            <a:bodyPr wrap="none" rtlCol="0">
+              <a:spAutoFit/>
+            </a:bodyPr>
+            <a:lstStyle/>
+            <a:p>
+              <a:r>
+                <a:rPr lang="ko-KR" altLang="en-US" sz="3200" b="1" dirty="0">
+                  <a:solidFill>
+                    <a:schemeClr val="bg1"/>
+                  </a:solidFill>
+                </a:rPr>
+                <a:t>과제 개요</a:t>
+              </a:r>
+            </a:p>
+          </p:txBody>
+        </p:sp>
+      </p:grpSp>
+      <p:grpSp>
+        <p:nvGrpSpPr>
+          <p:cNvPr id="26" name="그룹 25"/>
+          <p:cNvGrpSpPr/>
+          <p:nvPr/>
+        </p:nvGrpSpPr>
+        <p:grpSpPr>
+          <a:xfrm>
+            <a:off x="3642" y="13770172"/>
+            <a:ext cx="21383625" cy="902160"/>
+            <a:chOff x="40241" y="13142714"/>
+            <a:chExt cx="21383625" cy="902160"/>
+          </a:xfrm>
+        </p:grpSpPr>
+        <p:pic>
+          <p:nvPicPr>
+            <p:cNvPr id="12" name="그림 11"/>
+            <p:cNvPicPr>
+              <a:picLocks noChangeAspect="1"/>
+            </p:cNvPicPr>
+            <p:nvPr/>
+          </p:nvPicPr>
+          <p:blipFill>
+            <a:blip r:embed="rId4">
+              <a:extLst>
+                <a:ext uri="{28A0092B-C50C-407E-A947-70E740481C1C}">
+                  <a14:useLocalDpi xmlns:a14="http://schemas.microsoft.com/office/drawing/2010/main" val="0"/>
+                </a:ext>
+              </a:extLst>
+            </a:blip>
+            <a:stretch>
+              <a:fillRect/>
+            </a:stretch>
+          </p:blipFill>
+          <p:spPr>
+            <a:xfrm>
+              <a:off x="40241" y="13142714"/>
+              <a:ext cx="21383625" cy="902160"/>
+            </a:xfrm>
+            <a:prstGeom prst="rect">
+              <a:avLst/>
+            </a:prstGeom>
+          </p:spPr>
+        </p:pic>
+        <p:sp>
+          <p:nvSpPr>
+            <p:cNvPr id="27" name="TextBox 26"/>
+            <p:cNvSpPr txBox="1"/>
+            <p:nvPr/>
+          </p:nvSpPr>
+          <p:spPr>
+            <a:xfrm>
+              <a:off x="8612789" y="13309936"/>
+              <a:ext cx="4249881" cy="584775"/>
+            </a:xfrm>
+            <a:prstGeom prst="rect">
+              <a:avLst/>
+            </a:prstGeom>
+            <a:noFill/>
+          </p:spPr>
+          <p:txBody>
+            <a:bodyPr wrap="none" rtlCol="0">
+              <a:spAutoFit/>
+            </a:bodyPr>
+            <a:lstStyle/>
+            <a:p>
+              <a:r>
+                <a:rPr lang="ko-KR" altLang="en-US" sz="3200" b="1" dirty="0">
+                  <a:solidFill>
+                    <a:schemeClr val="bg1"/>
+                  </a:solidFill>
+                </a:rPr>
+                <a:t>작품 구성 및 상세 내용</a:t>
+              </a:r>
+            </a:p>
+          </p:txBody>
+        </p:sp>
+      </p:grpSp>
+      <p:grpSp>
+        <p:nvGrpSpPr>
+          <p:cNvPr id="30" name="그룹 29"/>
+          <p:cNvGrpSpPr/>
+          <p:nvPr/>
+        </p:nvGrpSpPr>
+        <p:grpSpPr>
+          <a:xfrm>
+            <a:off x="0" y="22457708"/>
+            <a:ext cx="21383625" cy="902160"/>
+            <a:chOff x="0" y="22649426"/>
+            <a:chExt cx="21383625" cy="902160"/>
+          </a:xfrm>
+        </p:grpSpPr>
+        <p:pic>
+          <p:nvPicPr>
+            <p:cNvPr id="28" name="그림 27"/>
+            <p:cNvPicPr>
+              <a:picLocks noChangeAspect="1"/>
+            </p:cNvPicPr>
+            <p:nvPr/>
+          </p:nvPicPr>
+          <p:blipFill>
+            <a:blip r:embed="rId4">
+              <a:extLst>
+                <a:ext uri="{28A0092B-C50C-407E-A947-70E740481C1C}">
+                  <a14:useLocalDpi xmlns:a14="http://schemas.microsoft.com/office/drawing/2010/main" val="0"/>
+                </a:ext>
+              </a:extLst>
+            </a:blip>
+            <a:stretch>
+              <a:fillRect/>
+            </a:stretch>
+          </p:blipFill>
+          <p:spPr>
+            <a:xfrm>
+              <a:off x="0" y="22649426"/>
+              <a:ext cx="21383625" cy="902160"/>
+            </a:xfrm>
+            <a:prstGeom prst="rect">
+              <a:avLst/>
+            </a:prstGeom>
+          </p:spPr>
+        </p:pic>
+        <p:sp>
+          <p:nvSpPr>
+            <p:cNvPr id="29" name="TextBox 28"/>
+            <p:cNvSpPr txBox="1"/>
+            <p:nvPr/>
+          </p:nvSpPr>
+          <p:spPr>
+            <a:xfrm>
+              <a:off x="8655136" y="22774206"/>
+              <a:ext cx="4063933" cy="584775"/>
+            </a:xfrm>
+            <a:prstGeom prst="rect">
+              <a:avLst/>
+            </a:prstGeom>
+            <a:noFill/>
+          </p:spPr>
+          <p:txBody>
+            <a:bodyPr wrap="none" rtlCol="0">
+              <a:spAutoFit/>
+            </a:bodyPr>
+            <a:lstStyle/>
+            <a:p>
+              <a:r>
+                <a:rPr lang="ko-KR" altLang="en-US" sz="3200" b="1">
+                  <a:solidFill>
+                    <a:schemeClr val="bg1"/>
+                  </a:solidFill>
+                </a:rPr>
+                <a:t>기대효과 및 활용방안</a:t>
+              </a:r>
+              <a:endParaRPr lang="ko-KR" altLang="en-US" sz="3200" b="1" dirty="0">
+                <a:solidFill>
+                  <a:schemeClr val="bg1"/>
+                </a:solidFill>
+              </a:endParaRPr>
+            </a:p>
+          </p:txBody>
+        </p:sp>
+      </p:grpSp>
+      <p:pic>
+        <p:nvPicPr>
+          <p:cNvPr id="22" name="그림 21"/>
+          <p:cNvPicPr>
+            <a:picLocks noChangeAspect="1"/>
+          </p:cNvPicPr>
+          <p:nvPr/>
+        </p:nvPicPr>
+        <p:blipFill>
+          <a:blip r:embed="rId5">
+            <a:extLst>
+              <a:ext uri="{28A0092B-C50C-407E-A947-70E740481C1C}">
+                <a14:useLocalDpi xmlns:a14="http://schemas.microsoft.com/office/drawing/2010/main" val="0"/>
+              </a:ext>
+            </a:extLst>
+          </a:blip>
+          <a:stretch>
+            <a:fillRect/>
+          </a:stretch>
+        </p:blipFill>
+        <p:spPr>
+          <a:xfrm>
+            <a:off x="0" y="28367267"/>
+            <a:ext cx="21383625" cy="1907946"/>
+          </a:xfrm>
+          <a:prstGeom prst="rect">
+            <a:avLst/>
+          </a:prstGeom>
+        </p:spPr>
+      </p:pic>
+      <p:sp>
+        <p:nvSpPr>
+          <p:cNvPr id="153" name="TextBox 152">
+            <a:extLst>
+              <a:ext uri="{FF2B5EF4-FFF2-40B4-BE49-F238E27FC236}">
+                <a16:creationId xmlns:a16="http://schemas.microsoft.com/office/drawing/2014/main" id="{6C7CF963-56F4-4BD9-8632-9489E8CED1E2}"/>
+              </a:ext>
+            </a:extLst>
+          </p:cNvPr>
+          <p:cNvSpPr txBox="1"/>
+          <p:nvPr/>
+        </p:nvSpPr>
+        <p:spPr>
+          <a:xfrm>
+            <a:off x="847323" y="6195950"/>
+            <a:ext cx="7391400" cy="584775"/>
+          </a:xfrm>
+          <a:prstGeom prst="rect">
+            <a:avLst/>
+          </a:prstGeom>
+          <a:noFill/>
+        </p:spPr>
+        <p:txBody>
+          <a:bodyPr wrap="square" rtlCol="0">
+            <a:spAutoFit/>
+          </a:bodyPr>
+          <a:lstStyle/>
+          <a:p>
+            <a:r>
+              <a:rPr lang="en-US" altLang="ko-KR" sz="3200" dirty="0"/>
+              <a:t>- </a:t>
+            </a:r>
+            <a:r>
+              <a:rPr lang="ko-KR" altLang="en-US" sz="3200" dirty="0"/>
+              <a:t>과제 배경</a:t>
+            </a:r>
+          </a:p>
+        </p:txBody>
+      </p:sp>
+      <p:sp>
+        <p:nvSpPr>
+          <p:cNvPr id="155" name="TextBox 154">
+            <a:extLst>
+              <a:ext uri="{FF2B5EF4-FFF2-40B4-BE49-F238E27FC236}">
+                <a16:creationId xmlns:a16="http://schemas.microsoft.com/office/drawing/2014/main" id="{50B4C5A7-3957-437C-9670-AF524AAE3969}"/>
+              </a:ext>
+            </a:extLst>
+          </p:cNvPr>
+          <p:cNvSpPr txBox="1"/>
+          <p:nvPr/>
+        </p:nvSpPr>
+        <p:spPr>
+          <a:xfrm>
+            <a:off x="847321" y="7023449"/>
+            <a:ext cx="19363509" cy="1631216"/>
+          </a:xfrm>
+          <a:prstGeom prst="rect">
+            <a:avLst/>
+          </a:prstGeom>
+          <a:noFill/>
+        </p:spPr>
+        <p:txBody>
+          <a:bodyPr wrap="square" rtlCol="0">
+            <a:spAutoFit/>
+          </a:bodyPr>
+          <a:lstStyle/>
+          <a:p>
+            <a:pPr marL="342900" indent="-342900">
+              <a:buFontTx/>
+              <a:buChar char="-"/>
+            </a:pPr>
+            <a:r>
+              <a:rPr lang="ko-KR" altLang="en-US" sz="2500" dirty="0"/>
+              <a:t>해마다 차량의 수는 늘어나고 차량에 적용되는 기술은 복잡해짐</a:t>
+            </a:r>
+            <a:endParaRPr lang="en-US" altLang="ko-KR" sz="2500" dirty="0"/>
+          </a:p>
+          <a:p>
+            <a:pPr marL="342900" indent="-342900">
+              <a:buFontTx/>
+              <a:buChar char="-"/>
+            </a:pPr>
+            <a:r>
+              <a:rPr lang="ko-KR" altLang="en-US" sz="2500" dirty="0"/>
+              <a:t>교통사고</a:t>
+            </a:r>
+            <a:r>
+              <a:rPr lang="en-US" altLang="ko-KR" sz="2500" dirty="0"/>
+              <a:t>, </a:t>
+            </a:r>
+            <a:r>
+              <a:rPr lang="ko-KR" altLang="en-US" sz="2500" dirty="0"/>
+              <a:t>차량 점검 등의 상황에서 차량의 상태를 정확하게 알아야 할 필요성 증가</a:t>
+            </a:r>
+            <a:endParaRPr lang="en-US" altLang="ko-KR" sz="2500" dirty="0"/>
+          </a:p>
+          <a:p>
+            <a:pPr marL="342900" indent="-342900">
+              <a:buFontTx/>
+              <a:buChar char="-"/>
+            </a:pPr>
+            <a:r>
+              <a:rPr lang="ko-KR" altLang="en-US" sz="2500" dirty="0"/>
+              <a:t>차량 운행 시에 센서데이터를 모은다면 차량의 상태를 예측할 수 있음</a:t>
+            </a:r>
+            <a:endParaRPr lang="en-US" altLang="ko-KR" sz="2500" dirty="0"/>
+          </a:p>
+          <a:p>
+            <a:pPr marL="342900" indent="-342900">
+              <a:buFontTx/>
+              <a:buChar char="-"/>
+            </a:pPr>
+            <a:r>
+              <a:rPr lang="en-US" altLang="ko-KR" sz="2500" dirty="0"/>
+              <a:t>SIM2REAL</a:t>
+            </a:r>
+            <a:r>
+              <a:rPr lang="ko-KR" altLang="en-US" sz="2500" dirty="0"/>
+              <a:t>기술을 응용하면 실제 차량이 아닌 시뮬레이션의 차량으로도 비슷한 데이터를 모아 적용시킬 수 있음</a:t>
+            </a:r>
+          </a:p>
+        </p:txBody>
+      </p:sp>
+      <p:sp>
+        <p:nvSpPr>
+          <p:cNvPr id="157" name="TextBox 156">
+            <a:extLst>
+              <a:ext uri="{FF2B5EF4-FFF2-40B4-BE49-F238E27FC236}">
+                <a16:creationId xmlns:a16="http://schemas.microsoft.com/office/drawing/2014/main" id="{4A4281CE-F6AA-4984-A814-AAA14CF2E14A}"/>
+              </a:ext>
+            </a:extLst>
+          </p:cNvPr>
+          <p:cNvSpPr txBox="1"/>
+          <p:nvPr/>
+        </p:nvSpPr>
+        <p:spPr>
+          <a:xfrm>
+            <a:off x="847323" y="9089048"/>
+            <a:ext cx="7391400" cy="584775"/>
+          </a:xfrm>
+          <a:prstGeom prst="rect">
+            <a:avLst/>
+          </a:prstGeom>
+          <a:noFill/>
+        </p:spPr>
+        <p:txBody>
+          <a:bodyPr wrap="square" rtlCol="0">
+            <a:spAutoFit/>
+          </a:bodyPr>
+          <a:lstStyle/>
+          <a:p>
+            <a:r>
+              <a:rPr lang="en-US" altLang="ko-KR" sz="3200" dirty="0"/>
+              <a:t>- </a:t>
+            </a:r>
+            <a:r>
+              <a:rPr lang="ko-KR" altLang="en-US" sz="3200" dirty="0"/>
+              <a:t>과제 목표</a:t>
+            </a:r>
+          </a:p>
+        </p:txBody>
+      </p:sp>
+      <p:sp>
+        <p:nvSpPr>
+          <p:cNvPr id="159" name="TextBox 158">
+            <a:extLst>
+              <a:ext uri="{FF2B5EF4-FFF2-40B4-BE49-F238E27FC236}">
+                <a16:creationId xmlns:a16="http://schemas.microsoft.com/office/drawing/2014/main" id="{E68602F6-1C80-4C54-AD65-66F9BEED36C8}"/>
+              </a:ext>
+            </a:extLst>
+          </p:cNvPr>
+          <p:cNvSpPr txBox="1"/>
+          <p:nvPr/>
+        </p:nvSpPr>
+        <p:spPr>
+          <a:xfrm>
+            <a:off x="973460" y="10146160"/>
+            <a:ext cx="19363509" cy="861774"/>
+          </a:xfrm>
+          <a:prstGeom prst="rect">
+            <a:avLst/>
+          </a:prstGeom>
+          <a:noFill/>
+        </p:spPr>
+        <p:txBody>
+          <a:bodyPr wrap="square" rtlCol="0">
+            <a:spAutoFit/>
+          </a:bodyPr>
+          <a:lstStyle/>
+          <a:p>
+            <a:pPr marL="342900" indent="-342900">
+              <a:buFontTx/>
+              <a:buChar char="-"/>
+            </a:pPr>
+            <a:r>
+              <a:rPr lang="ko-KR" altLang="en-US" sz="2500" dirty="0"/>
+              <a:t>시뮬레이션 프로그램의 차량에서 얻은 정보를 </a:t>
+            </a:r>
+            <a:r>
+              <a:rPr lang="ko-KR" altLang="en-US" sz="2500" dirty="0" err="1"/>
+              <a:t>머신러닝을</a:t>
+            </a:r>
+            <a:r>
+              <a:rPr lang="ko-KR" altLang="en-US" sz="2500" dirty="0"/>
+              <a:t> 통해 학습시켜 실제 차량의 상태 분석에 적용시킬 수 있는 프로그램 개발</a:t>
+            </a:r>
+            <a:endParaRPr lang="en-US" altLang="ko-KR" sz="2500" dirty="0"/>
+          </a:p>
+          <a:p>
+            <a:pPr marL="342900" indent="-342900">
+              <a:buFontTx/>
+              <a:buChar char="-"/>
+            </a:pPr>
+            <a:r>
+              <a:rPr lang="ko-KR" altLang="en-US" sz="2500" dirty="0"/>
+              <a:t>해당 프로그램을 사용하여 운전자의 졸음운전 여부를 확인하는 프로그램 개발</a:t>
+            </a:r>
+          </a:p>
+        </p:txBody>
+      </p:sp>
+      <p:sp>
+        <p:nvSpPr>
+          <p:cNvPr id="161" name="TextBox 160">
+            <a:extLst>
+              <a:ext uri="{FF2B5EF4-FFF2-40B4-BE49-F238E27FC236}">
+                <a16:creationId xmlns:a16="http://schemas.microsoft.com/office/drawing/2014/main" id="{42927B44-7B99-45A2-9DF9-CF13D33DFFF6}"/>
+              </a:ext>
+            </a:extLst>
+          </p:cNvPr>
+          <p:cNvSpPr txBox="1"/>
+          <p:nvPr/>
+        </p:nvSpPr>
+        <p:spPr>
+          <a:xfrm>
+            <a:off x="883920" y="22920948"/>
+            <a:ext cx="7391400" cy="584775"/>
+          </a:xfrm>
+          <a:prstGeom prst="rect">
+            <a:avLst/>
+          </a:prstGeom>
+          <a:noFill/>
+        </p:spPr>
+        <p:txBody>
+          <a:bodyPr wrap="square" rtlCol="0">
+            <a:spAutoFit/>
+          </a:bodyPr>
+          <a:lstStyle/>
+          <a:p>
+            <a:r>
+              <a:rPr lang="en-US" altLang="ko-KR" sz="3200" dirty="0"/>
+              <a:t>- </a:t>
+            </a:r>
+            <a:r>
+              <a:rPr lang="ko-KR" altLang="en-US" sz="3200" dirty="0"/>
+              <a:t>기대 효과</a:t>
+            </a:r>
+          </a:p>
+        </p:txBody>
+      </p:sp>
+      <p:sp>
+        <p:nvSpPr>
+          <p:cNvPr id="163" name="TextBox 162">
+            <a:extLst>
+              <a:ext uri="{FF2B5EF4-FFF2-40B4-BE49-F238E27FC236}">
+                <a16:creationId xmlns:a16="http://schemas.microsoft.com/office/drawing/2014/main" id="{02FB8558-E305-42FE-B188-12900BFE6D7C}"/>
+              </a:ext>
+            </a:extLst>
+          </p:cNvPr>
+          <p:cNvSpPr txBox="1"/>
+          <p:nvPr/>
+        </p:nvSpPr>
+        <p:spPr>
+          <a:xfrm>
+            <a:off x="1066445" y="23644317"/>
+            <a:ext cx="19363509" cy="1631216"/>
+          </a:xfrm>
+          <a:prstGeom prst="rect">
+            <a:avLst/>
+          </a:prstGeom>
+          <a:noFill/>
+        </p:spPr>
+        <p:txBody>
+          <a:bodyPr wrap="square" rtlCol="0">
+            <a:spAutoFit/>
+          </a:bodyPr>
+          <a:lstStyle/>
+          <a:p>
+            <a:pPr marL="342900" indent="-342900">
+              <a:buFontTx/>
+              <a:buChar char="-"/>
+            </a:pPr>
+            <a:r>
+              <a:rPr lang="ko-KR" altLang="en-US" sz="2500" dirty="0"/>
+              <a:t>실제 차량만을 사용하여 데이터 수집을 할 때보다 시공간적 제약 사항이 적음</a:t>
+            </a:r>
+            <a:endParaRPr lang="en-US" altLang="ko-KR" sz="2500" dirty="0"/>
+          </a:p>
+          <a:p>
+            <a:pPr marL="342900" indent="-342900">
+              <a:buFontTx/>
+              <a:buChar char="-"/>
+            </a:pPr>
+            <a:r>
+              <a:rPr lang="ko-KR" altLang="en-US" sz="2500" dirty="0"/>
+              <a:t>일어 날 수 있는 다양한 상황에 대한 많은 양의 데이터를 빠르게 수집할 수 있음</a:t>
+            </a:r>
+            <a:endParaRPr lang="en-US" altLang="ko-KR" sz="2500" dirty="0"/>
+          </a:p>
+          <a:p>
+            <a:pPr marL="342900" indent="-342900">
+              <a:buFontTx/>
+              <a:buChar char="-"/>
+            </a:pPr>
+            <a:r>
+              <a:rPr lang="ko-KR" altLang="en-US" sz="2500" dirty="0"/>
+              <a:t>실제 차량을 이용한 데이터 수집시에 있을 수 있는 교통사고 등의 사고 위험에서 자유로움</a:t>
+            </a:r>
+            <a:endParaRPr lang="en-US" altLang="ko-KR" sz="2500" dirty="0"/>
+          </a:p>
+          <a:p>
+            <a:pPr marL="342900" indent="-342900">
+              <a:buFontTx/>
+              <a:buChar char="-"/>
+            </a:pPr>
+            <a:r>
+              <a:rPr lang="ko-KR" altLang="en-US" sz="2500" dirty="0"/>
+              <a:t>차후 연구로 음주운전이나 졸음운전 같이 실제 차량으로 테스트 하기 힘든 데이터를 얻을 수 있을 것으로 기대</a:t>
+            </a:r>
+            <a:endParaRPr lang="en-US" altLang="ko-KR" sz="2500" dirty="0"/>
+          </a:p>
+        </p:txBody>
+      </p:sp>
+      <p:pic>
+        <p:nvPicPr>
+          <p:cNvPr id="165" name="내용 개체 틀 4">
+            <a:extLst>
+              <a:ext uri="{FF2B5EF4-FFF2-40B4-BE49-F238E27FC236}">
+                <a16:creationId xmlns:a16="http://schemas.microsoft.com/office/drawing/2014/main" id="{8725A8ED-C1B2-4F8E-B494-5C87367DC3A1}"/>
+              </a:ext>
+            </a:extLst>
+          </p:cNvPr>
+          <p:cNvPicPr>
+            <a:picLocks noChangeAspect="1"/>
+          </p:cNvPicPr>
+          <p:nvPr/>
+        </p:nvPicPr>
+        <p:blipFill>
+          <a:blip r:embed="rId6"/>
+          <a:stretch>
+            <a:fillRect/>
+          </a:stretch>
+        </p:blipFill>
+        <p:spPr>
+          <a:xfrm>
+            <a:off x="15039496" y="6129541"/>
+            <a:ext cx="3452456" cy="1976153"/>
+          </a:xfrm>
+          <a:prstGeom prst="rect">
+            <a:avLst/>
+          </a:prstGeom>
+        </p:spPr>
+      </p:pic>
+      <p:sp>
+        <p:nvSpPr>
+          <p:cNvPr id="167" name="TextBox 166">
+            <a:extLst>
+              <a:ext uri="{FF2B5EF4-FFF2-40B4-BE49-F238E27FC236}">
+                <a16:creationId xmlns:a16="http://schemas.microsoft.com/office/drawing/2014/main" id="{062A7FBC-B991-4680-B901-B67C0C39B528}"/>
+              </a:ext>
+            </a:extLst>
+          </p:cNvPr>
+          <p:cNvSpPr txBox="1"/>
+          <p:nvPr/>
+        </p:nvSpPr>
+        <p:spPr>
+          <a:xfrm>
+            <a:off x="883920" y="14591068"/>
+            <a:ext cx="7391400" cy="584775"/>
+          </a:xfrm>
+          <a:prstGeom prst="rect">
+            <a:avLst/>
+          </a:prstGeom>
+          <a:noFill/>
+        </p:spPr>
+        <p:txBody>
+          <a:bodyPr wrap="square" rtlCol="0">
+            <a:spAutoFit/>
+          </a:bodyPr>
+          <a:lstStyle/>
+          <a:p>
+            <a:r>
+              <a:rPr lang="en-US" altLang="ko-KR" sz="3200" dirty="0"/>
+              <a:t>- </a:t>
+            </a:r>
+            <a:r>
+              <a:rPr lang="ko-KR" altLang="en-US" sz="3200" dirty="0"/>
+              <a:t>프로그램 구성</a:t>
+            </a:r>
+          </a:p>
+        </p:txBody>
+      </p:sp>
+      <p:sp>
+        <p:nvSpPr>
+          <p:cNvPr id="169" name="TextBox 168">
+            <a:extLst>
+              <a:ext uri="{FF2B5EF4-FFF2-40B4-BE49-F238E27FC236}">
+                <a16:creationId xmlns:a16="http://schemas.microsoft.com/office/drawing/2014/main" id="{49692D13-AEEA-4403-B0E7-8466B902D902}"/>
+              </a:ext>
+            </a:extLst>
+          </p:cNvPr>
+          <p:cNvSpPr txBox="1"/>
+          <p:nvPr/>
+        </p:nvSpPr>
+        <p:spPr>
+          <a:xfrm>
+            <a:off x="973458" y="15249676"/>
+            <a:ext cx="4689703" cy="477054"/>
+          </a:xfrm>
+          <a:prstGeom prst="rect">
+            <a:avLst/>
+          </a:prstGeom>
+          <a:noFill/>
+        </p:spPr>
+        <p:txBody>
+          <a:bodyPr wrap="square" rtlCol="0">
+            <a:spAutoFit/>
+          </a:bodyPr>
+          <a:lstStyle/>
+          <a:p>
+            <a:r>
+              <a:rPr lang="ko-KR" altLang="en-US" sz="2500" dirty="0"/>
+              <a:t>시뮬레이션 차량 센서 데이터</a:t>
+            </a:r>
+            <a:endParaRPr lang="en-US" altLang="ko-KR" sz="2500" dirty="0"/>
+          </a:p>
+        </p:txBody>
+      </p:sp>
+      <p:pic>
+        <p:nvPicPr>
+          <p:cNvPr id="171" name="그림 170" descr="트럭, 버스, 엔진, 거리이(가) 표시된 사진&#10;&#10;자동 생성된 설명">
+            <a:extLst>
+              <a:ext uri="{FF2B5EF4-FFF2-40B4-BE49-F238E27FC236}">
+                <a16:creationId xmlns:a16="http://schemas.microsoft.com/office/drawing/2014/main" id="{F0064BB0-93B4-4936-907C-B6F206C800B5}"/>
+              </a:ext>
+            </a:extLst>
+          </p:cNvPr>
+          <p:cNvPicPr>
+            <a:picLocks noChangeAspect="1"/>
+          </p:cNvPicPr>
+          <p:nvPr/>
+        </p:nvPicPr>
+        <p:blipFill>
+          <a:blip r:embed="rId7" cstate="print">
+            <a:extLst>
+              <a:ext uri="{28A0092B-C50C-407E-A947-70E740481C1C}">
+                <a14:useLocalDpi xmlns:a14="http://schemas.microsoft.com/office/drawing/2010/main" val="0"/>
+              </a:ext>
+            </a:extLst>
+          </a:blip>
+          <a:stretch>
+            <a:fillRect/>
+          </a:stretch>
+        </p:blipFill>
+        <p:spPr>
+          <a:xfrm>
+            <a:off x="1040669" y="15815684"/>
+            <a:ext cx="3301581" cy="1857140"/>
+          </a:xfrm>
+          <a:prstGeom prst="rect">
+            <a:avLst/>
+          </a:prstGeom>
+        </p:spPr>
+      </p:pic>
+      <p:pic>
+        <p:nvPicPr>
+          <p:cNvPr id="173" name="그림 172" descr="스크린샷이(가) 표시된 사진&#10;&#10;자동 생성된 설명">
+            <a:extLst>
+              <a:ext uri="{FF2B5EF4-FFF2-40B4-BE49-F238E27FC236}">
+                <a16:creationId xmlns:a16="http://schemas.microsoft.com/office/drawing/2014/main" id="{77ADE7C6-E92B-4228-8386-01C22980DE01}"/>
+              </a:ext>
+            </a:extLst>
+          </p:cNvPr>
+          <p:cNvPicPr>
+            <a:picLocks noChangeAspect="1"/>
+          </p:cNvPicPr>
+          <p:nvPr/>
+        </p:nvPicPr>
+        <p:blipFill>
+          <a:blip r:embed="rId8" cstate="print">
+            <a:extLst>
+              <a:ext uri="{28A0092B-C50C-407E-A947-70E740481C1C}">
+                <a14:useLocalDpi xmlns:a14="http://schemas.microsoft.com/office/drawing/2010/main" val="0"/>
+              </a:ext>
+            </a:extLst>
+          </a:blip>
+          <a:stretch>
+            <a:fillRect/>
+          </a:stretch>
+        </p:blipFill>
+        <p:spPr>
+          <a:xfrm>
+            <a:off x="4364307" y="15810856"/>
+            <a:ext cx="2240237" cy="1865979"/>
+          </a:xfrm>
+          <a:prstGeom prst="rect">
+            <a:avLst/>
+          </a:prstGeom>
+        </p:spPr>
+      </p:pic>
+      <p:sp>
+        <p:nvSpPr>
+          <p:cNvPr id="175" name="TextBox 174">
+            <a:extLst>
+              <a:ext uri="{FF2B5EF4-FFF2-40B4-BE49-F238E27FC236}">
+                <a16:creationId xmlns:a16="http://schemas.microsoft.com/office/drawing/2014/main" id="{1EB2729B-DF27-42F1-BCC8-4A830478582A}"/>
+              </a:ext>
+            </a:extLst>
+          </p:cNvPr>
+          <p:cNvSpPr txBox="1"/>
+          <p:nvPr/>
+        </p:nvSpPr>
+        <p:spPr>
+          <a:xfrm>
+            <a:off x="8087078" y="16228657"/>
+            <a:ext cx="4689703" cy="477054"/>
+          </a:xfrm>
+          <a:prstGeom prst="rect">
+            <a:avLst/>
+          </a:prstGeom>
+          <a:noFill/>
+        </p:spPr>
+        <p:txBody>
+          <a:bodyPr wrap="square" rtlCol="0">
+            <a:spAutoFit/>
+          </a:bodyPr>
+          <a:lstStyle/>
+          <a:p>
+            <a:r>
+              <a:rPr lang="en-US" altLang="ko-KR" sz="2500" dirty="0"/>
+              <a:t>CNN </a:t>
+            </a:r>
+            <a:r>
+              <a:rPr lang="ko-KR" altLang="en-US" sz="2500" dirty="0"/>
+              <a:t>기반 </a:t>
+            </a:r>
+            <a:r>
+              <a:rPr lang="ko-KR" altLang="en-US" sz="2500" dirty="0" err="1"/>
+              <a:t>머신러닝</a:t>
+            </a:r>
+            <a:r>
+              <a:rPr lang="ko-KR" altLang="en-US" sz="2500" dirty="0"/>
+              <a:t> 모델</a:t>
+            </a:r>
+            <a:endParaRPr lang="en-US" altLang="ko-KR" sz="2500" dirty="0"/>
+          </a:p>
+        </p:txBody>
+      </p:sp>
+      <p:sp>
+        <p:nvSpPr>
+          <p:cNvPr id="177" name="TextBox 176">
+            <a:extLst>
+              <a:ext uri="{FF2B5EF4-FFF2-40B4-BE49-F238E27FC236}">
+                <a16:creationId xmlns:a16="http://schemas.microsoft.com/office/drawing/2014/main" id="{7DEF46AB-B60D-45CB-B256-3A2DCC843737}"/>
+              </a:ext>
+            </a:extLst>
+          </p:cNvPr>
+          <p:cNvSpPr txBox="1"/>
+          <p:nvPr/>
+        </p:nvSpPr>
+        <p:spPr>
+          <a:xfrm>
+            <a:off x="883920" y="25514440"/>
+            <a:ext cx="7391400" cy="584775"/>
+          </a:xfrm>
+          <a:prstGeom prst="rect">
+            <a:avLst/>
+          </a:prstGeom>
+          <a:noFill/>
+        </p:spPr>
+        <p:txBody>
+          <a:bodyPr wrap="square" rtlCol="0">
+            <a:spAutoFit/>
+          </a:bodyPr>
+          <a:lstStyle/>
+          <a:p>
+            <a:r>
+              <a:rPr lang="en-US" altLang="ko-KR" sz="3200" dirty="0"/>
+              <a:t>- </a:t>
+            </a:r>
+            <a:r>
+              <a:rPr lang="ko-KR" altLang="en-US" sz="3200" dirty="0"/>
+              <a:t>활용방안</a:t>
+            </a:r>
+          </a:p>
+        </p:txBody>
+      </p:sp>
+      <p:sp>
+        <p:nvSpPr>
+          <p:cNvPr id="179" name="TextBox 178">
+            <a:extLst>
+              <a:ext uri="{FF2B5EF4-FFF2-40B4-BE49-F238E27FC236}">
+                <a16:creationId xmlns:a16="http://schemas.microsoft.com/office/drawing/2014/main" id="{A40AA186-ACED-4889-9802-5EEAEE0BFF75}"/>
+              </a:ext>
+            </a:extLst>
+          </p:cNvPr>
+          <p:cNvSpPr txBox="1"/>
+          <p:nvPr/>
+        </p:nvSpPr>
+        <p:spPr>
+          <a:xfrm>
+            <a:off x="1066445" y="26154600"/>
+            <a:ext cx="19363509" cy="1631216"/>
+          </a:xfrm>
+          <a:prstGeom prst="rect">
+            <a:avLst/>
+          </a:prstGeom>
+          <a:noFill/>
+        </p:spPr>
+        <p:txBody>
+          <a:bodyPr wrap="square" rtlCol="0">
+            <a:spAutoFit/>
+          </a:bodyPr>
+          <a:lstStyle/>
+          <a:p>
+            <a:pPr marL="342900" indent="-342900">
+              <a:buFontTx/>
+              <a:buChar char="-"/>
+            </a:pPr>
+            <a:r>
+              <a:rPr lang="ko-KR" altLang="en-US" sz="2500" dirty="0"/>
+              <a:t>차량 운전 상태를 실시간으로 측정해 안전 점수 제도 운영</a:t>
+            </a:r>
+            <a:endParaRPr lang="en-US" altLang="ko-KR" sz="2500" dirty="0"/>
+          </a:p>
+          <a:p>
+            <a:pPr marL="342900" indent="-342900">
+              <a:buFontTx/>
+              <a:buChar char="-"/>
+            </a:pPr>
+            <a:r>
+              <a:rPr lang="ko-KR" altLang="en-US" sz="2500" dirty="0"/>
+              <a:t>안전 점수를 이용해서 차량 보험료 할인</a:t>
+            </a:r>
+            <a:endParaRPr lang="en-US" altLang="ko-KR" sz="2500" dirty="0"/>
+          </a:p>
+          <a:p>
+            <a:pPr marL="342900" indent="-342900">
+              <a:buFontTx/>
+              <a:buChar char="-"/>
+            </a:pPr>
+            <a:r>
+              <a:rPr lang="ko-KR" altLang="en-US" sz="2500" dirty="0"/>
+              <a:t>향후 과태료 측정 시 안전 점수 반영</a:t>
+            </a:r>
+            <a:endParaRPr lang="en-US" altLang="ko-KR" sz="2500" dirty="0"/>
+          </a:p>
+          <a:p>
+            <a:pPr marL="342900" indent="-342900">
+              <a:buFontTx/>
+              <a:buChar char="-"/>
+            </a:pPr>
+            <a:r>
+              <a:rPr lang="ko-KR" altLang="en-US" sz="2500" dirty="0"/>
+              <a:t>안전 점수가 높은 주행 데이터를 자율 주행 알고리즘에 적용 가능</a:t>
+            </a:r>
+            <a:endParaRPr lang="en-US" altLang="ko-KR" sz="2500" dirty="0"/>
+          </a:p>
+        </p:txBody>
+      </p:sp>
+      <p:sp>
+        <p:nvSpPr>
+          <p:cNvPr id="181" name="TextBox 180">
+            <a:extLst>
+              <a:ext uri="{FF2B5EF4-FFF2-40B4-BE49-F238E27FC236}">
+                <a16:creationId xmlns:a16="http://schemas.microsoft.com/office/drawing/2014/main" id="{A43E9A3E-A927-424B-91C0-052CDC503846}"/>
+              </a:ext>
+            </a:extLst>
+          </p:cNvPr>
+          <p:cNvSpPr txBox="1"/>
+          <p:nvPr/>
+        </p:nvSpPr>
+        <p:spPr>
+          <a:xfrm>
+            <a:off x="847321" y="20536469"/>
+            <a:ext cx="7391400" cy="584775"/>
+          </a:xfrm>
+          <a:prstGeom prst="rect">
+            <a:avLst/>
+          </a:prstGeom>
+          <a:noFill/>
+        </p:spPr>
+        <p:txBody>
+          <a:bodyPr wrap="square" rtlCol="0">
+            <a:spAutoFit/>
+          </a:bodyPr>
+          <a:lstStyle/>
+          <a:p>
+            <a:r>
+              <a:rPr lang="en-US" altLang="ko-KR" sz="3200" dirty="0"/>
+              <a:t>- </a:t>
+            </a:r>
+            <a:r>
+              <a:rPr lang="ko-KR" altLang="en-US" sz="3200" dirty="0"/>
+              <a:t>상세내용</a:t>
+            </a:r>
+          </a:p>
+        </p:txBody>
+      </p:sp>
+      <p:sp>
+        <p:nvSpPr>
+          <p:cNvPr id="183" name="TextBox 182">
+            <a:extLst>
+              <a:ext uri="{FF2B5EF4-FFF2-40B4-BE49-F238E27FC236}">
+                <a16:creationId xmlns:a16="http://schemas.microsoft.com/office/drawing/2014/main" id="{E24524F9-EA0A-412F-8EEE-BC66A082505F}"/>
+              </a:ext>
+            </a:extLst>
+          </p:cNvPr>
+          <p:cNvSpPr txBox="1"/>
+          <p:nvPr/>
+        </p:nvSpPr>
+        <p:spPr>
+          <a:xfrm>
+            <a:off x="1084154" y="21110947"/>
+            <a:ext cx="19363509" cy="861774"/>
+          </a:xfrm>
+          <a:prstGeom prst="rect">
+            <a:avLst/>
+          </a:prstGeom>
+          <a:noFill/>
+        </p:spPr>
+        <p:txBody>
+          <a:bodyPr wrap="square" rtlCol="0">
+            <a:spAutoFit/>
+          </a:bodyPr>
+          <a:lstStyle/>
+          <a:p>
+            <a:pPr marL="342900" indent="-342900">
+              <a:buFontTx/>
+              <a:buChar char="-"/>
+            </a:pPr>
+            <a:r>
+              <a:rPr lang="ko-KR" altLang="en-US" sz="2500" dirty="0"/>
+              <a:t>시뮬레이션 프로그램에서 얻어낸 가상의 차량 데이터를 </a:t>
+            </a:r>
+            <a:r>
+              <a:rPr lang="en-US" altLang="ko-KR" sz="2500" dirty="0"/>
+              <a:t>CNN </a:t>
+            </a:r>
+            <a:r>
+              <a:rPr lang="ko-KR" altLang="en-US" sz="2500" dirty="0"/>
+              <a:t>기반 </a:t>
+            </a:r>
+            <a:r>
+              <a:rPr lang="ko-KR" altLang="en-US" sz="2500" dirty="0" err="1"/>
+              <a:t>머신러닝</a:t>
+            </a:r>
+            <a:r>
+              <a:rPr lang="ko-KR" altLang="en-US" sz="2500" dirty="0"/>
+              <a:t> 모델에 학습</a:t>
+            </a:r>
+            <a:endParaRPr lang="en-US" altLang="ko-KR" sz="2500" dirty="0"/>
+          </a:p>
+          <a:p>
+            <a:pPr marL="342900" indent="-342900">
+              <a:buFontTx/>
+              <a:buChar char="-"/>
+            </a:pPr>
+            <a:r>
+              <a:rPr lang="ko-KR" altLang="en-US" sz="2500" dirty="0"/>
+              <a:t>학습시킨 모델에 실제 차량 주행 데이터를 넣어서 주행 상태 판정</a:t>
+            </a:r>
+            <a:endParaRPr lang="en-US" altLang="ko-KR" sz="2500" dirty="0"/>
+          </a:p>
+        </p:txBody>
+      </p:sp>
+      <p:pic>
+        <p:nvPicPr>
+          <p:cNvPr id="185" name="그림 184" descr="텍스트, 지도이(가) 표시된 사진&#10;&#10;자동 생성된 설명">
+            <a:extLst>
+              <a:ext uri="{FF2B5EF4-FFF2-40B4-BE49-F238E27FC236}">
+                <a16:creationId xmlns:a16="http://schemas.microsoft.com/office/drawing/2014/main" id="{8415C1CC-6FA6-411C-B5C6-DEDA777F3907}"/>
+              </a:ext>
+            </a:extLst>
+          </p:cNvPr>
+          <p:cNvPicPr>
+            <a:picLocks noChangeAspect="1"/>
+          </p:cNvPicPr>
+          <p:nvPr/>
+        </p:nvPicPr>
+        <p:blipFill>
+          <a:blip r:embed="rId9">
+            <a:extLst>
+              <a:ext uri="{28A0092B-C50C-407E-A947-70E740481C1C}">
+                <a14:useLocalDpi xmlns:a14="http://schemas.microsoft.com/office/drawing/2010/main" val="0"/>
+              </a:ext>
+            </a:extLst>
+          </a:blip>
+          <a:stretch>
+            <a:fillRect/>
+          </a:stretch>
+        </p:blipFill>
+        <p:spPr>
+          <a:xfrm>
+            <a:off x="7889326" y="17002949"/>
+            <a:ext cx="9129858" cy="2632899"/>
+          </a:xfrm>
+          <a:prstGeom prst="rect">
+            <a:avLst/>
+          </a:prstGeom>
+        </p:spPr>
+      </p:pic>
+      <p:sp>
+        <p:nvSpPr>
+          <p:cNvPr id="187" name="TextBox 186">
+            <a:extLst>
+              <a:ext uri="{FF2B5EF4-FFF2-40B4-BE49-F238E27FC236}">
+                <a16:creationId xmlns:a16="http://schemas.microsoft.com/office/drawing/2014/main" id="{BD097F87-B56E-4DFE-BB13-737D0B17F4FA}"/>
+              </a:ext>
+            </a:extLst>
+          </p:cNvPr>
+          <p:cNvSpPr txBox="1"/>
+          <p:nvPr/>
+        </p:nvSpPr>
+        <p:spPr>
+          <a:xfrm>
+            <a:off x="976570" y="17865355"/>
+            <a:ext cx="6376676" cy="477054"/>
+          </a:xfrm>
+          <a:prstGeom prst="rect">
+            <a:avLst/>
+          </a:prstGeom>
+          <a:noFill/>
+        </p:spPr>
+        <p:txBody>
+          <a:bodyPr wrap="square" rtlCol="0">
+            <a:spAutoFit/>
+          </a:bodyPr>
+          <a:lstStyle/>
+          <a:p>
+            <a:r>
+              <a:rPr lang="ko-KR" altLang="en-US" sz="2500" dirty="0"/>
+              <a:t>실제 차량 센서 데이터</a:t>
+            </a:r>
+            <a:endParaRPr lang="en-US" altLang="ko-KR" sz="2500" dirty="0"/>
+          </a:p>
+        </p:txBody>
+      </p:sp>
+      <p:pic>
+        <p:nvPicPr>
+          <p:cNvPr id="189" name="그림 188" descr="자동차, 주차, 갈색, 파란색이(가) 표시된 사진&#10;&#10;자동 생성된 설명">
+            <a:extLst>
+              <a:ext uri="{FF2B5EF4-FFF2-40B4-BE49-F238E27FC236}">
+                <a16:creationId xmlns:a16="http://schemas.microsoft.com/office/drawing/2014/main" id="{7300E14C-9960-47B0-8B0C-90E02C25DA7E}"/>
+              </a:ext>
+            </a:extLst>
+          </p:cNvPr>
+          <p:cNvPicPr>
+            <a:picLocks noChangeAspect="1"/>
+          </p:cNvPicPr>
+          <p:nvPr/>
+        </p:nvPicPr>
+        <p:blipFill>
+          <a:blip r:embed="rId10" cstate="print">
+            <a:extLst>
+              <a:ext uri="{28A0092B-C50C-407E-A947-70E740481C1C}">
+                <a14:useLocalDpi xmlns:a14="http://schemas.microsoft.com/office/drawing/2010/main" val="0"/>
+              </a:ext>
+            </a:extLst>
+          </a:blip>
+          <a:stretch>
+            <a:fillRect/>
+          </a:stretch>
+        </p:blipFill>
+        <p:spPr>
+          <a:xfrm>
+            <a:off x="1163272" y="18318690"/>
+            <a:ext cx="3009876" cy="1750745"/>
+          </a:xfrm>
+          <a:prstGeom prst="rect">
+            <a:avLst/>
+          </a:prstGeom>
+        </p:spPr>
+      </p:pic>
+      <p:sp>
+        <p:nvSpPr>
+          <p:cNvPr id="191" name="화살표: 오른쪽 190">
+            <a:extLst>
+              <a:ext uri="{FF2B5EF4-FFF2-40B4-BE49-F238E27FC236}">
+                <a16:creationId xmlns:a16="http://schemas.microsoft.com/office/drawing/2014/main" id="{032DD555-C754-495D-8A51-D376B5481263}"/>
+              </a:ext>
+            </a:extLst>
+          </p:cNvPr>
+          <p:cNvSpPr/>
+          <p:nvPr/>
+        </p:nvSpPr>
+        <p:spPr>
+          <a:xfrm rot="20722098">
+            <a:off x="6802209" y="18700870"/>
+            <a:ext cx="895185" cy="822005"/>
+          </a:xfrm>
+          <a:prstGeom prst="rightArrow">
+            <a:avLst/>
+          </a:prstGeom>
+        </p:spPr>
+        <p:style>
+          <a:lnRef idx="2">
+            <a:schemeClr val="accent1">
+              <a:shade val="50000"/>
+            </a:schemeClr>
+          </a:lnRef>
+          <a:fillRef idx="1">
+            <a:schemeClr val="accent1"/>
+          </a:fillRef>
+          <a:effectRef idx="0">
+            <a:schemeClr val="accent1"/>
+          </a:effectRef>
+          <a:fontRef idx="minor">
+            <a:schemeClr val="lt1"/>
+          </a:fontRef>
+        </p:style>
+        <p:txBody>
+          <a:bodyPr rtlCol="0" anchor="ctr"/>
+          <a:lstStyle/>
+          <a:p>
+            <a:pPr algn="ctr"/>
+            <a:endParaRPr lang="ko-KR" altLang="en-US"/>
+          </a:p>
+        </p:txBody>
+      </p:sp>
+      <p:pic>
+        <p:nvPicPr>
+          <p:cNvPr id="193" name="그림 192" descr="텍스트이(가) 표시된 사진&#10;&#10;자동 생성된 설명">
+            <a:extLst>
+              <a:ext uri="{FF2B5EF4-FFF2-40B4-BE49-F238E27FC236}">
+                <a16:creationId xmlns:a16="http://schemas.microsoft.com/office/drawing/2014/main" id="{DFCA29B8-2793-45DB-9C2A-09A24A83A3C9}"/>
+              </a:ext>
+            </a:extLst>
+          </p:cNvPr>
+          <p:cNvPicPr>
+            <a:picLocks noChangeAspect="1"/>
+          </p:cNvPicPr>
+          <p:nvPr/>
+        </p:nvPicPr>
+        <p:blipFill>
+          <a:blip r:embed="rId11" cstate="print">
+            <a:extLst>
+              <a:ext uri="{28A0092B-C50C-407E-A947-70E740481C1C}">
+                <a14:useLocalDpi xmlns:a14="http://schemas.microsoft.com/office/drawing/2010/main" val="0"/>
+              </a:ext>
+            </a:extLst>
+          </a:blip>
+          <a:stretch>
+            <a:fillRect/>
+          </a:stretch>
+        </p:blipFill>
+        <p:spPr>
+          <a:xfrm>
+            <a:off x="4492119" y="18375803"/>
+            <a:ext cx="1801267" cy="1785814"/>
+          </a:xfrm>
+          <a:prstGeom prst="rect">
+            <a:avLst/>
+          </a:prstGeom>
+        </p:spPr>
+      </p:pic>
+      <p:sp>
+        <p:nvSpPr>
+          <p:cNvPr id="195" name="화살표: 오른쪽 194">
+            <a:extLst>
+              <a:ext uri="{FF2B5EF4-FFF2-40B4-BE49-F238E27FC236}">
+                <a16:creationId xmlns:a16="http://schemas.microsoft.com/office/drawing/2014/main" id="{8AB87243-5237-4603-A96F-8A6FEEB689EC}"/>
+              </a:ext>
+            </a:extLst>
+          </p:cNvPr>
+          <p:cNvSpPr/>
+          <p:nvPr/>
+        </p:nvSpPr>
+        <p:spPr>
+          <a:xfrm rot="1072835">
+            <a:off x="6805320" y="16931166"/>
+            <a:ext cx="895185" cy="822005"/>
+          </a:xfrm>
+          <a:prstGeom prst="rightArrow">
+            <a:avLst/>
+          </a:prstGeom>
+        </p:spPr>
+        <p:style>
+          <a:lnRef idx="2">
+            <a:schemeClr val="accent1">
+              <a:shade val="50000"/>
+            </a:schemeClr>
+          </a:lnRef>
+          <a:fillRef idx="1">
+            <a:schemeClr val="accent1"/>
+          </a:fillRef>
+          <a:effectRef idx="0">
+            <a:schemeClr val="accent1"/>
+          </a:effectRef>
+          <a:fontRef idx="minor">
+            <a:schemeClr val="lt1"/>
+          </a:fontRef>
+        </p:style>
+        <p:txBody>
+          <a:bodyPr rtlCol="0" anchor="ctr"/>
+          <a:lstStyle/>
+          <a:p>
+            <a:pPr algn="ctr"/>
+            <a:endParaRPr lang="ko-KR" altLang="en-US"/>
+          </a:p>
+        </p:txBody>
+      </p:sp>
+      <p:sp>
+        <p:nvSpPr>
+          <p:cNvPr id="197" name="화살표: 오른쪽 196">
+            <a:extLst>
+              <a:ext uri="{FF2B5EF4-FFF2-40B4-BE49-F238E27FC236}">
+                <a16:creationId xmlns:a16="http://schemas.microsoft.com/office/drawing/2014/main" id="{F1F33468-B18C-48B9-8356-6FCB4F4CB2C1}"/>
+              </a:ext>
+            </a:extLst>
+          </p:cNvPr>
+          <p:cNvSpPr/>
+          <p:nvPr/>
+        </p:nvSpPr>
+        <p:spPr>
+          <a:xfrm>
+            <a:off x="17146739" y="17886000"/>
+            <a:ext cx="895185" cy="822005"/>
+          </a:xfrm>
+          <a:prstGeom prst="rightArrow">
+            <a:avLst/>
+          </a:prstGeom>
+        </p:spPr>
+        <p:style>
+          <a:lnRef idx="2">
+            <a:schemeClr val="accent1">
+              <a:shade val="50000"/>
+            </a:schemeClr>
+          </a:lnRef>
+          <a:fillRef idx="1">
+            <a:schemeClr val="accent1"/>
+          </a:fillRef>
+          <a:effectRef idx="0">
+            <a:schemeClr val="accent1"/>
+          </a:effectRef>
+          <a:fontRef idx="minor">
+            <a:schemeClr val="lt1"/>
+          </a:fontRef>
+        </p:style>
+        <p:txBody>
+          <a:bodyPr rtlCol="0" anchor="ctr"/>
+          <a:lstStyle/>
+          <a:p>
+            <a:pPr algn="ctr"/>
+            <a:endParaRPr lang="ko-KR" altLang="en-US"/>
+          </a:p>
+        </p:txBody>
+      </p:sp>
+      <p:sp>
+        <p:nvSpPr>
+          <p:cNvPr id="199" name="TextBox 198">
+            <a:extLst>
+              <a:ext uri="{FF2B5EF4-FFF2-40B4-BE49-F238E27FC236}">
+                <a16:creationId xmlns:a16="http://schemas.microsoft.com/office/drawing/2014/main" id="{56BB8469-A174-4927-8A14-9CA4D78A793A}"/>
+              </a:ext>
+            </a:extLst>
+          </p:cNvPr>
+          <p:cNvSpPr txBox="1"/>
+          <p:nvPr/>
+        </p:nvSpPr>
+        <p:spPr>
+          <a:xfrm>
+            <a:off x="17961969" y="16175783"/>
+            <a:ext cx="2939330" cy="477054"/>
+          </a:xfrm>
+          <a:prstGeom prst="rect">
+            <a:avLst/>
+          </a:prstGeom>
+          <a:noFill/>
+        </p:spPr>
+        <p:txBody>
+          <a:bodyPr wrap="square" rtlCol="0">
+            <a:spAutoFit/>
+          </a:bodyPr>
+          <a:lstStyle/>
+          <a:p>
+            <a:r>
+              <a:rPr lang="ko-KR" altLang="en-US" sz="2500" dirty="0"/>
+              <a:t>차량 주행 상태 예측</a:t>
+            </a:r>
+            <a:endParaRPr lang="en-US" altLang="ko-KR" sz="2500" dirty="0"/>
+          </a:p>
+        </p:txBody>
+      </p:sp>
+      <p:pic>
+        <p:nvPicPr>
+          <p:cNvPr id="201" name="그림 200" descr="디스플레이이(가) 표시된 사진&#10;&#10;자동 생성된 설명">
+            <a:extLst>
+              <a:ext uri="{FF2B5EF4-FFF2-40B4-BE49-F238E27FC236}">
+                <a16:creationId xmlns:a16="http://schemas.microsoft.com/office/drawing/2014/main" id="{23572786-D342-460D-8F6F-4332350179A9}"/>
+              </a:ext>
+            </a:extLst>
+          </p:cNvPr>
+          <p:cNvPicPr>
+            <a:picLocks noChangeAspect="1"/>
+          </p:cNvPicPr>
+          <p:nvPr/>
+        </p:nvPicPr>
+        <p:blipFill rotWithShape="1">
+          <a:blip r:embed="rId12">
+            <a:extLst>
+              <a:ext uri="{28A0092B-C50C-407E-A947-70E740481C1C}">
+                <a14:useLocalDpi xmlns:a14="http://schemas.microsoft.com/office/drawing/2010/main" val="0"/>
+              </a:ext>
+            </a:extLst>
+          </a:blip>
+          <a:srcRect l="51785"/>
+          <a:stretch/>
+        </p:blipFill>
+        <p:spPr>
+          <a:xfrm>
+            <a:off x="18293149" y="17056489"/>
+            <a:ext cx="2520975" cy="2446356"/>
+          </a:xfrm>
+          <a:prstGeom prst="rect">
+            <a:avLst/>
+          </a:prstGeom>
+        </p:spPr>
+      </p:pic>
+      <p:pic>
+        <p:nvPicPr>
+          <p:cNvPr id="203" name="그림 202" descr="스크린샷, 앉아있는, 컴퓨터, 방이(가) 표시된 사진&#10;&#10;자동 생성된 설명">
+            <a:extLst>
+              <a:ext uri="{FF2B5EF4-FFF2-40B4-BE49-F238E27FC236}">
+                <a16:creationId xmlns:a16="http://schemas.microsoft.com/office/drawing/2014/main" id="{3311578B-D934-4963-949C-815C606B78E2}"/>
+              </a:ext>
+            </a:extLst>
+          </p:cNvPr>
+          <p:cNvPicPr>
+            <a:picLocks noChangeAspect="1"/>
+          </p:cNvPicPr>
+          <p:nvPr/>
+        </p:nvPicPr>
+        <p:blipFill>
+          <a:blip r:embed="rId13">
+            <a:extLst>
+              <a:ext uri="{28A0092B-C50C-407E-A947-70E740481C1C}">
+                <a14:useLocalDpi xmlns:a14="http://schemas.microsoft.com/office/drawing/2010/main" val="0"/>
+              </a:ext>
+            </a:extLst>
+          </a:blip>
+          <a:stretch>
+            <a:fillRect/>
+          </a:stretch>
+        </p:blipFill>
+        <p:spPr>
+          <a:xfrm>
+            <a:off x="7334263" y="11080116"/>
+            <a:ext cx="8020877" cy="1922408"/>
+          </a:xfrm>
+          <a:prstGeom prst="rect">
+            <a:avLst/>
+          </a:prstGeom>
+        </p:spPr>
+      </p:pic>
+      <p:pic>
+        <p:nvPicPr>
+          <p:cNvPr id="205" name="그림 204">
+            <a:extLst>
+              <a:ext uri="{FF2B5EF4-FFF2-40B4-BE49-F238E27FC236}">
+                <a16:creationId xmlns:a16="http://schemas.microsoft.com/office/drawing/2014/main" id="{7550BDA0-FB35-4248-8800-2515A9E98C73}"/>
+              </a:ext>
+            </a:extLst>
+          </p:cNvPr>
+          <p:cNvPicPr>
+            <a:picLocks noChangeAspect="1"/>
+          </p:cNvPicPr>
+          <p:nvPr/>
+        </p:nvPicPr>
+        <p:blipFill>
+          <a:blip r:embed="rId14" cstate="print">
+            <a:extLst>
+              <a:ext uri="{28A0092B-C50C-407E-A947-70E740481C1C}">
+                <a14:useLocalDpi xmlns:a14="http://schemas.microsoft.com/office/drawing/2010/main" val="0"/>
+              </a:ext>
+            </a:extLst>
+          </a:blip>
+          <a:stretch>
+            <a:fillRect/>
+          </a:stretch>
+        </p:blipFill>
+        <p:spPr>
+          <a:xfrm>
+            <a:off x="15372932" y="11076380"/>
+            <a:ext cx="2395775" cy="1886723"/>
+          </a:xfrm>
+          <a:prstGeom prst="rect">
+            <a:avLst/>
+          </a:prstGeom>
+        </p:spPr>
+      </p:pic>
+      <p:pic>
+        <p:nvPicPr>
+          <p:cNvPr id="207" name="그림 206" descr="시계이(가) 표시된 사진&#10;&#10;자동 생성된 설명">
+            <a:extLst>
+              <a:ext uri="{FF2B5EF4-FFF2-40B4-BE49-F238E27FC236}">
+                <a16:creationId xmlns:a16="http://schemas.microsoft.com/office/drawing/2014/main" id="{E6BBDFEC-C249-438D-8078-64782D932650}"/>
+              </a:ext>
+            </a:extLst>
+          </p:cNvPr>
+          <p:cNvPicPr>
+            <a:picLocks noChangeAspect="1"/>
+          </p:cNvPicPr>
+          <p:nvPr/>
+        </p:nvPicPr>
+        <p:blipFill>
+          <a:blip r:embed="rId15" cstate="print">
+            <a:extLst>
+              <a:ext uri="{28A0092B-C50C-407E-A947-70E740481C1C}">
+                <a14:useLocalDpi xmlns:a14="http://schemas.microsoft.com/office/drawing/2010/main" val="0"/>
+              </a:ext>
+            </a:extLst>
+          </a:blip>
+          <a:stretch>
+            <a:fillRect/>
+          </a:stretch>
+        </p:blipFill>
+        <p:spPr>
+          <a:xfrm>
+            <a:off x="2930952" y="11162800"/>
+            <a:ext cx="1751201" cy="1751201"/>
+          </a:xfrm>
+          <a:prstGeom prst="rect">
+            <a:avLst/>
+          </a:prstGeom>
+        </p:spPr>
+      </p:pic>
+      <p:sp>
+        <p:nvSpPr>
+          <p:cNvPr id="209" name="화살표: 오른쪽 208">
+            <a:extLst>
+              <a:ext uri="{FF2B5EF4-FFF2-40B4-BE49-F238E27FC236}">
+                <a16:creationId xmlns:a16="http://schemas.microsoft.com/office/drawing/2014/main" id="{7507ED87-30D9-46C3-BED2-AEAA49BF7E11}"/>
+              </a:ext>
+            </a:extLst>
+          </p:cNvPr>
+          <p:cNvSpPr/>
+          <p:nvPr/>
+        </p:nvSpPr>
+        <p:spPr>
+          <a:xfrm>
+            <a:off x="5413850" y="11590668"/>
+            <a:ext cx="1191491" cy="822005"/>
+          </a:xfrm>
+          <a:prstGeom prst="rightArrow">
+            <a:avLst/>
+          </a:prstGeom>
+        </p:spPr>
+        <p:style>
+          <a:lnRef idx="2">
+            <a:schemeClr val="accent1">
+              <a:shade val="50000"/>
+            </a:schemeClr>
+          </a:lnRef>
+          <a:fillRef idx="1">
+            <a:schemeClr val="accent1"/>
+          </a:fillRef>
+          <a:effectRef idx="0">
+            <a:schemeClr val="accent1"/>
+          </a:effectRef>
+          <a:fontRef idx="minor">
+            <a:schemeClr val="lt1"/>
+          </a:fontRef>
+        </p:style>
+        <p:txBody>
+          <a:bodyPr rtlCol="0" anchor="ctr"/>
+          <a:lstStyle/>
+          <a:p>
+            <a:pPr algn="ctr"/>
+            <a:endParaRPr lang="ko-KR" altLang="en-US"/>
+          </a:p>
+        </p:txBody>
+      </p:sp>
+    </p:spTree>
+    <p:extLst>
+      <p:ext uri="{BB962C8B-B14F-4D97-AF65-F5344CB8AC3E}">
+        <p14:creationId xmlns:p14="http://schemas.microsoft.com/office/powerpoint/2010/main" val="1861447087"/>
+      </p:ext>
+    </p:extLst>
+  </p:cSld>
+  <p:clrMapOvr>
+    <a:masterClrMapping/>
+  </p:clrMapOvr>
+</p:sld>
+</file>
+
 <file path=ppt/theme/theme1.xml><?xml version="1.0" encoding="utf-8"?>
 <a:theme xmlns:a="http://schemas.openxmlformats.org/drawingml/2006/main" name="Office 테마">
   <a:themeElements>
